--- a/UI/UI_시스템 기획서_V.1.1.2.pptx
+++ b/UI/UI_시스템 기획서_V.1.1.2.pptx
@@ -31,7 +31,6 @@
     <p:sldId id="298" r:id="rId25"/>
     <p:sldId id="300" r:id="rId26"/>
     <p:sldId id="301" r:id="rId27"/>
-    <p:sldId id="302" r:id="rId28"/>
   </p:sldIdLst>
   <p:sldSz cx="12192000" cy="6858000"/>
   <p:notesSz cx="6858000" cy="9144000"/>
@@ -297,7 +296,7 @@
           <a:p>
             <a:fld id="{A7EDBCFF-3105-4B41-8E3B-4CE5EDCDF193}" type="datetimeFigureOut">
               <a:rPr lang="ko-KR" altLang="en-US" smtClean="0"/>
-              <a:t>2021-12-29</a:t>
+              <a:t>2022-02-06</a:t>
             </a:fld>
             <a:endParaRPr lang="ko-KR" altLang="en-US"/>
           </a:p>
@@ -495,7 +494,7 @@
           <a:p>
             <a:fld id="{A7EDBCFF-3105-4B41-8E3B-4CE5EDCDF193}" type="datetimeFigureOut">
               <a:rPr lang="ko-KR" altLang="en-US" smtClean="0"/>
-              <a:t>2021-12-29</a:t>
+              <a:t>2022-02-06</a:t>
             </a:fld>
             <a:endParaRPr lang="ko-KR" altLang="en-US"/>
           </a:p>
@@ -703,7 +702,7 @@
           <a:p>
             <a:fld id="{A7EDBCFF-3105-4B41-8E3B-4CE5EDCDF193}" type="datetimeFigureOut">
               <a:rPr lang="ko-KR" altLang="en-US" smtClean="0"/>
-              <a:t>2021-12-29</a:t>
+              <a:t>2022-02-06</a:t>
             </a:fld>
             <a:endParaRPr lang="ko-KR" altLang="en-US"/>
           </a:p>
@@ -901,7 +900,7 @@
           <a:p>
             <a:fld id="{A7EDBCFF-3105-4B41-8E3B-4CE5EDCDF193}" type="datetimeFigureOut">
               <a:rPr lang="ko-KR" altLang="en-US" smtClean="0"/>
-              <a:t>2021-12-29</a:t>
+              <a:t>2022-02-06</a:t>
             </a:fld>
             <a:endParaRPr lang="ko-KR" altLang="en-US"/>
           </a:p>
@@ -1176,7 +1175,7 @@
           <a:p>
             <a:fld id="{A7EDBCFF-3105-4B41-8E3B-4CE5EDCDF193}" type="datetimeFigureOut">
               <a:rPr lang="ko-KR" altLang="en-US" smtClean="0"/>
-              <a:t>2021-12-29</a:t>
+              <a:t>2022-02-06</a:t>
             </a:fld>
             <a:endParaRPr lang="ko-KR" altLang="en-US"/>
           </a:p>
@@ -1441,7 +1440,7 @@
           <a:p>
             <a:fld id="{A7EDBCFF-3105-4B41-8E3B-4CE5EDCDF193}" type="datetimeFigureOut">
               <a:rPr lang="ko-KR" altLang="en-US" smtClean="0"/>
-              <a:t>2021-12-29</a:t>
+              <a:t>2022-02-06</a:t>
             </a:fld>
             <a:endParaRPr lang="ko-KR" altLang="en-US"/>
           </a:p>
@@ -1853,7 +1852,7 @@
           <a:p>
             <a:fld id="{A7EDBCFF-3105-4B41-8E3B-4CE5EDCDF193}" type="datetimeFigureOut">
               <a:rPr lang="ko-KR" altLang="en-US" smtClean="0"/>
-              <a:t>2021-12-29</a:t>
+              <a:t>2022-02-06</a:t>
             </a:fld>
             <a:endParaRPr lang="ko-KR" altLang="en-US"/>
           </a:p>
@@ -1994,7 +1993,7 @@
           <a:p>
             <a:fld id="{A7EDBCFF-3105-4B41-8E3B-4CE5EDCDF193}" type="datetimeFigureOut">
               <a:rPr lang="ko-KR" altLang="en-US" smtClean="0"/>
-              <a:t>2021-12-29</a:t>
+              <a:t>2022-02-06</a:t>
             </a:fld>
             <a:endParaRPr lang="ko-KR" altLang="en-US"/>
           </a:p>
@@ -2107,7 +2106,7 @@
           <a:p>
             <a:fld id="{A7EDBCFF-3105-4B41-8E3B-4CE5EDCDF193}" type="datetimeFigureOut">
               <a:rPr lang="ko-KR" altLang="en-US" smtClean="0"/>
-              <a:t>2021-12-29</a:t>
+              <a:t>2022-02-06</a:t>
             </a:fld>
             <a:endParaRPr lang="ko-KR" altLang="en-US"/>
           </a:p>
@@ -2418,7 +2417,7 @@
           <a:p>
             <a:fld id="{A7EDBCFF-3105-4B41-8E3B-4CE5EDCDF193}" type="datetimeFigureOut">
               <a:rPr lang="ko-KR" altLang="en-US" smtClean="0"/>
-              <a:t>2021-12-29</a:t>
+              <a:t>2022-02-06</a:t>
             </a:fld>
             <a:endParaRPr lang="ko-KR" altLang="en-US"/>
           </a:p>
@@ -2706,7 +2705,7 @@
           <a:p>
             <a:fld id="{A7EDBCFF-3105-4B41-8E3B-4CE5EDCDF193}" type="datetimeFigureOut">
               <a:rPr lang="ko-KR" altLang="en-US" smtClean="0"/>
-              <a:t>2021-12-29</a:t>
+              <a:t>2022-02-06</a:t>
             </a:fld>
             <a:endParaRPr lang="ko-KR" altLang="en-US"/>
           </a:p>
@@ -2947,7 +2946,7 @@
           <a:p>
             <a:fld id="{A7EDBCFF-3105-4B41-8E3B-4CE5EDCDF193}" type="datetimeFigureOut">
               <a:rPr lang="ko-KR" altLang="en-US" smtClean="0"/>
-              <a:t>2021-12-29</a:t>
+              <a:t>2022-02-06</a:t>
             </a:fld>
             <a:endParaRPr lang="ko-KR" altLang="en-US"/>
           </a:p>
@@ -29930,175 +29929,6 @@
     <p:extLst>
       <p:ext uri="{BB962C8B-B14F-4D97-AF65-F5344CB8AC3E}">
         <p14:creationId xmlns:p14="http://schemas.microsoft.com/office/powerpoint/2010/main" val="31309544"/>
-      </p:ext>
-    </p:extLst>
-  </p:cSld>
-  <p:clrMapOvr>
-    <a:masterClrMapping/>
-  </p:clrMapOvr>
-</p:sld>
-</file>
-
-<file path=ppt/slides/slide27.xml><?xml version="1.0" encoding="utf-8"?>
-<p:sld xmlns:a="http://schemas.openxmlformats.org/drawingml/2006/main" xmlns:r="http://schemas.openxmlformats.org/officeDocument/2006/relationships" xmlns:p="http://schemas.openxmlformats.org/presentationml/2006/main">
-  <p:cSld>
-    <p:spTree>
-      <p:nvGrpSpPr>
-        <p:cNvPr id="1" name=""/>
-        <p:cNvGrpSpPr/>
-        <p:nvPr/>
-      </p:nvGrpSpPr>
-      <p:grpSpPr>
-        <a:xfrm>
-          <a:off x="0" y="0"/>
-          <a:ext cx="0" cy="0"/>
-          <a:chOff x="0" y="0"/>
-          <a:chExt cx="0" cy="0"/>
-        </a:xfrm>
-      </p:grpSpPr>
-      <p:sp>
-        <p:nvSpPr>
-          <p:cNvPr id="27" name="TextBox 26">
-            <a:extLst>
-              <a:ext uri="{FF2B5EF4-FFF2-40B4-BE49-F238E27FC236}">
-                <a16:creationId xmlns:a16="http://schemas.microsoft.com/office/drawing/2014/main" id="{038692DD-30DF-4654-A747-4FA3D85C0F5E}"/>
-              </a:ext>
-            </a:extLst>
-          </p:cNvPr>
-          <p:cNvSpPr txBox="1"/>
-          <p:nvPr/>
-        </p:nvSpPr>
-        <p:spPr>
-          <a:xfrm>
-            <a:off x="672824" y="588352"/>
-            <a:ext cx="2983684" cy="2677656"/>
-          </a:xfrm>
-          <a:prstGeom prst="rect">
-            <a:avLst/>
-          </a:prstGeom>
-          <a:noFill/>
-        </p:spPr>
-        <p:txBody>
-          <a:bodyPr wrap="square" rtlCol="0">
-            <a:spAutoFit/>
-          </a:bodyPr>
-          <a:lstStyle/>
-          <a:p>
-            <a:r>
-              <a:rPr lang="ko-KR" altLang="en-US" sz="2800" b="1" dirty="0">
-                <a:latin typeface="Aharoni" panose="020B0604020202020204" pitchFamily="2" charset="-79"/>
-                <a:cs typeface="Aharoni" panose="020B0604020202020204" pitchFamily="2" charset="-79"/>
-              </a:rPr>
-              <a:t>추가 필요 시스템</a:t>
-            </a:r>
-            <a:endParaRPr lang="en-US" altLang="ko-KR" sz="2800" b="1" dirty="0">
-              <a:latin typeface="Aharoni" panose="020B0604020202020204" pitchFamily="2" charset="-79"/>
-              <a:cs typeface="Aharoni" panose="020B0604020202020204" pitchFamily="2" charset="-79"/>
-            </a:endParaRPr>
-          </a:p>
-          <a:p>
-            <a:endParaRPr lang="en-US" altLang="ko-KR" sz="2800" b="1" dirty="0">
-              <a:latin typeface="Aharoni" panose="020B0604020202020204" pitchFamily="2" charset="-79"/>
-              <a:cs typeface="Aharoni" panose="020B0604020202020204" pitchFamily="2" charset="-79"/>
-            </a:endParaRPr>
-          </a:p>
-          <a:p>
-            <a:pPr marL="514350" indent="-514350">
-              <a:buAutoNum type="arabicPeriod"/>
-            </a:pPr>
-            <a:r>
-              <a:rPr lang="ko-KR" altLang="en-US" sz="2800" b="1" dirty="0">
-                <a:latin typeface="Aharoni" panose="020B0604020202020204" pitchFamily="2" charset="-79"/>
-                <a:cs typeface="Aharoni" panose="020B0604020202020204" pitchFamily="2" charset="-79"/>
-              </a:rPr>
-              <a:t>밤 </a:t>
-            </a:r>
-            <a:r>
-              <a:rPr lang="ko-KR" altLang="en-US" sz="2800" b="1" dirty="0" err="1">
-                <a:latin typeface="Aharoni" panose="020B0604020202020204" pitchFamily="2" charset="-79"/>
-                <a:cs typeface="Aharoni" panose="020B0604020202020204" pitchFamily="2" charset="-79"/>
-              </a:rPr>
-              <a:t>파밍</a:t>
-            </a:r>
-            <a:endParaRPr lang="en-US" altLang="ko-KR" sz="2800" b="1" dirty="0">
-              <a:latin typeface="Aharoni" panose="020B0604020202020204" pitchFamily="2" charset="-79"/>
-              <a:cs typeface="Aharoni" panose="020B0604020202020204" pitchFamily="2" charset="-79"/>
-            </a:endParaRPr>
-          </a:p>
-          <a:p>
-            <a:pPr marL="514350" indent="-514350">
-              <a:buAutoNum type="arabicPeriod"/>
-            </a:pPr>
-            <a:r>
-              <a:rPr lang="ko-KR" altLang="en-US" sz="2800" b="1" dirty="0">
-                <a:latin typeface="Aharoni" panose="020B0604020202020204" pitchFamily="2" charset="-79"/>
-                <a:cs typeface="Aharoni" panose="020B0604020202020204" pitchFamily="2" charset="-79"/>
-              </a:rPr>
-              <a:t>도감 </a:t>
-            </a:r>
-            <a:r>
-              <a:rPr lang="en-US" altLang="ko-KR" sz="2800" b="1" dirty="0">
-                <a:latin typeface="Aharoni" panose="020B0604020202020204" pitchFamily="2" charset="-79"/>
-                <a:cs typeface="Aharoni" panose="020B0604020202020204" pitchFamily="2" charset="-79"/>
-              </a:rPr>
-              <a:t>UI</a:t>
-            </a:r>
-          </a:p>
-          <a:p>
-            <a:pPr marL="514350" indent="-514350">
-              <a:buAutoNum type="arabicPeriod"/>
-            </a:pPr>
-            <a:r>
-              <a:rPr lang="ko-KR" altLang="en-US" sz="2800" b="1" dirty="0">
-                <a:latin typeface="Aharoni" panose="020B0604020202020204" pitchFamily="2" charset="-79"/>
-                <a:cs typeface="Aharoni" panose="020B0604020202020204" pitchFamily="2" charset="-79"/>
-              </a:rPr>
-              <a:t>퀘스트  </a:t>
-            </a:r>
-            <a:r>
-              <a:rPr lang="en-US" altLang="ko-KR" sz="2800" b="1" dirty="0">
-                <a:latin typeface="Aharoni" panose="020B0604020202020204" pitchFamily="2" charset="-79"/>
-                <a:cs typeface="Aharoni" panose="020B0604020202020204" pitchFamily="2" charset="-79"/>
-              </a:rPr>
-              <a:t>UI</a:t>
-            </a:r>
-          </a:p>
-          <a:p>
-            <a:pPr marL="514350" indent="-514350">
-              <a:buAutoNum type="arabicPeriod"/>
-            </a:pPr>
-            <a:r>
-              <a:rPr lang="ko-KR" altLang="en-US" sz="2800" b="1" dirty="0" err="1">
-                <a:latin typeface="Aharoni" panose="020B0604020202020204" pitchFamily="2" charset="-79"/>
-                <a:cs typeface="Aharoni" panose="020B0604020202020204" pitchFamily="2" charset="-79"/>
-              </a:rPr>
-              <a:t>히로인</a:t>
-            </a:r>
-            <a:r>
-              <a:rPr lang="ko-KR" altLang="en-US" sz="2800" b="1" dirty="0">
-                <a:latin typeface="Aharoni" panose="020B0604020202020204" pitchFamily="2" charset="-79"/>
-                <a:cs typeface="Aharoni" panose="020B0604020202020204" pitchFamily="2" charset="-79"/>
-              </a:rPr>
-              <a:t> </a:t>
-            </a:r>
-            <a:r>
-              <a:rPr lang="ko-KR" altLang="en-US" sz="2800" b="1" dirty="0" err="1">
-                <a:latin typeface="Aharoni" panose="020B0604020202020204" pitchFamily="2" charset="-79"/>
-                <a:cs typeface="Aharoni" panose="020B0604020202020204" pitchFamily="2" charset="-79"/>
-              </a:rPr>
-              <a:t>스탯</a:t>
-            </a:r>
-            <a:endParaRPr lang="en-US" altLang="ko-KR" sz="2800" b="1" dirty="0">
-              <a:latin typeface="Aharoni" panose="020B0604020202020204" pitchFamily="2" charset="-79"/>
-              <a:cs typeface="Aharoni" panose="020B0604020202020204" pitchFamily="2" charset="-79"/>
-            </a:endParaRPr>
-          </a:p>
-        </p:txBody>
-      </p:sp>
-    </p:spTree>
-    <p:extLst>
-      <p:ext uri="{BB962C8B-B14F-4D97-AF65-F5344CB8AC3E}">
-        <p14:creationId xmlns:p14="http://schemas.microsoft.com/office/powerpoint/2010/main" val="2687803673"/>
       </p:ext>
     </p:extLst>
   </p:cSld>
